--- a/2021.01 - [ MS SQL Server ]/07 - [ Built-in Functions - LAB ]/00 - [ Resources ]/Presentation.pptx
+++ b/2021.01 - [ MS SQL Server ]/07 - [ Built-in Functions - LAB ]/00 - [ Resources ]/Presentation.pptx
@@ -353,7 +353,7 @@
           <a:p>
             <a:fld id="{4E087215-0C8F-4762-A664-737A353EC9A4}" type="datetimeFigureOut">
               <a:rPr lang="bg-BG" smtClean="0"/>
-              <a:t>1.12.2020 г.</a:t>
+              <a:t>22.1.2021 г.</a:t>
             </a:fld>
             <a:endParaRPr lang="bg-BG"/>
           </a:p>
@@ -544,7 +544,7 @@
           <a:p>
             <a:fld id="{72D84649-876A-46C9-8472-14CB09C070D8}" type="datetimeFigureOut">
               <a:rPr lang="en-US" smtClean="0"/>
-              <a:t>12/1/2020</a:t>
+              <a:t>1/22/2021</a:t>
             </a:fld>
             <a:endParaRPr lang="en-US"/>
           </a:p>
@@ -966,6 +966,247 @@
 </p:notes>
 </file>
 
+<file path=ppt/notesSlides/notesSlide10.xml><?xml version="1.0" encoding="utf-8"?>
+<p:notes xmlns:a="http://schemas.openxmlformats.org/drawingml/2006/main" xmlns:r="http://schemas.openxmlformats.org/officeDocument/2006/relationships" xmlns:p="http://schemas.openxmlformats.org/presentationml/2006/main">
+  <p:cSld>
+    <p:spTree>
+      <p:nvGrpSpPr>
+        <p:cNvPr id="1" name=""/>
+        <p:cNvGrpSpPr/>
+        <p:nvPr/>
+      </p:nvGrpSpPr>
+      <p:grpSpPr>
+        <a:xfrm>
+          <a:off x="0" y="0"/>
+          <a:ext cx="0" cy="0"/>
+          <a:chOff x="0" y="0"/>
+          <a:chExt cx="0" cy="0"/>
+        </a:xfrm>
+      </p:grpSpPr>
+      <p:sp>
+        <p:nvSpPr>
+          <p:cNvPr id="2" name="Slide Image Placeholder 1"/>
+          <p:cNvSpPr>
+            <a:spLocks noGrp="1" noRot="1" noChangeAspect="1"/>
+          </p:cNvSpPr>
+          <p:nvPr>
+            <p:ph type="sldImg"/>
+          </p:nvPr>
+        </p:nvSpPr>
+        <p:spPr/>
+      </p:sp>
+      <p:sp>
+        <p:nvSpPr>
+          <p:cNvPr id="3" name="Notes Placeholder 2"/>
+          <p:cNvSpPr>
+            <a:spLocks noGrp="1"/>
+          </p:cNvSpPr>
+          <p:nvPr>
+            <p:ph type="body" idx="1"/>
+          </p:nvPr>
+        </p:nvSpPr>
+        <p:spPr/>
+        <p:txBody>
+          <a:bodyPr/>
+          <a:lstStyle/>
+          <a:p>
+            <a:endParaRPr lang="en-US"/>
+          </a:p>
+        </p:txBody>
+      </p:sp>
+      <p:sp>
+        <p:nvSpPr>
+          <p:cNvPr id="7" name="Slide Number Placeholder 5">
+            <a:extLst>
+              <a:ext uri="{FF2B5EF4-FFF2-40B4-BE49-F238E27FC236}">
+                <a16:creationId xmlns:a16="http://schemas.microsoft.com/office/drawing/2014/main" id="{5D1C0779-821B-433B-AB3A-0953EE966C7E}"/>
+              </a:ext>
+            </a:extLst>
+          </p:cNvPr>
+          <p:cNvSpPr txBox="1">
+            <a:spLocks/>
+          </p:cNvSpPr>
+          <p:nvPr/>
+        </p:nvSpPr>
+        <p:spPr>
+          <a:xfrm>
+            <a:off x="6488999" y="8847000"/>
+            <a:ext cx="367414" cy="297000"/>
+          </a:xfrm>
+          <a:prstGeom prst="rect">
+            <a:avLst/>
+          </a:prstGeom>
+        </p:spPr>
+        <p:txBody>
+          <a:bodyPr vert="horz" lIns="91440" tIns="45720" rIns="91440" bIns="45720" rtlCol="0" anchor="b"/>
+          <a:lstStyle>
+            <a:defPPr>
+              <a:defRPr lang="en-US"/>
+            </a:defPPr>
+            <a:lvl1pPr marL="0" algn="r" defTabSz="914400" rtl="0" eaLnBrk="1" latinLnBrk="0" hangingPunct="1">
+              <a:defRPr sz="1200" kern="1200">
+                <a:solidFill>
+                  <a:schemeClr val="tx1"/>
+                </a:solidFill>
+                <a:latin typeface="+mn-lt"/>
+                <a:ea typeface="+mn-ea"/>
+                <a:cs typeface="+mn-cs"/>
+              </a:defRPr>
+            </a:lvl1pPr>
+            <a:lvl2pPr marL="457200" algn="l" defTabSz="914400" rtl="0" eaLnBrk="1" latinLnBrk="0" hangingPunct="1">
+              <a:defRPr sz="1800" kern="1200">
+                <a:solidFill>
+                  <a:schemeClr val="tx1"/>
+                </a:solidFill>
+                <a:latin typeface="+mn-lt"/>
+                <a:ea typeface="+mn-ea"/>
+                <a:cs typeface="+mn-cs"/>
+              </a:defRPr>
+            </a:lvl2pPr>
+            <a:lvl3pPr marL="914400" algn="l" defTabSz="914400" rtl="0" eaLnBrk="1" latinLnBrk="0" hangingPunct="1">
+              <a:defRPr sz="1800" kern="1200">
+                <a:solidFill>
+                  <a:schemeClr val="tx1"/>
+                </a:solidFill>
+                <a:latin typeface="+mn-lt"/>
+                <a:ea typeface="+mn-ea"/>
+                <a:cs typeface="+mn-cs"/>
+              </a:defRPr>
+            </a:lvl3pPr>
+            <a:lvl4pPr marL="1371600" algn="l" defTabSz="914400" rtl="0" eaLnBrk="1" latinLnBrk="0" hangingPunct="1">
+              <a:defRPr sz="1800" kern="1200">
+                <a:solidFill>
+                  <a:schemeClr val="tx1"/>
+                </a:solidFill>
+                <a:latin typeface="+mn-lt"/>
+                <a:ea typeface="+mn-ea"/>
+                <a:cs typeface="+mn-cs"/>
+              </a:defRPr>
+            </a:lvl4pPr>
+            <a:lvl5pPr marL="1828800" algn="l" defTabSz="914400" rtl="0" eaLnBrk="1" latinLnBrk="0" hangingPunct="1">
+              <a:defRPr sz="1800" kern="1200">
+                <a:solidFill>
+                  <a:schemeClr val="tx1"/>
+                </a:solidFill>
+                <a:latin typeface="+mn-lt"/>
+                <a:ea typeface="+mn-ea"/>
+                <a:cs typeface="+mn-cs"/>
+              </a:defRPr>
+            </a:lvl5pPr>
+            <a:lvl6pPr marL="2286000" algn="l" defTabSz="914400" rtl="0" eaLnBrk="1" latinLnBrk="0" hangingPunct="1">
+              <a:defRPr sz="1800" kern="1200">
+                <a:solidFill>
+                  <a:schemeClr val="tx1"/>
+                </a:solidFill>
+                <a:latin typeface="+mn-lt"/>
+                <a:ea typeface="+mn-ea"/>
+                <a:cs typeface="+mn-cs"/>
+              </a:defRPr>
+            </a:lvl6pPr>
+            <a:lvl7pPr marL="2743200" algn="l" defTabSz="914400" rtl="0" eaLnBrk="1" latinLnBrk="0" hangingPunct="1">
+              <a:defRPr sz="1800" kern="1200">
+                <a:solidFill>
+                  <a:schemeClr val="tx1"/>
+                </a:solidFill>
+                <a:latin typeface="+mn-lt"/>
+                <a:ea typeface="+mn-ea"/>
+                <a:cs typeface="+mn-cs"/>
+              </a:defRPr>
+            </a:lvl7pPr>
+            <a:lvl8pPr marL="3200400" algn="l" defTabSz="914400" rtl="0" eaLnBrk="1" latinLnBrk="0" hangingPunct="1">
+              <a:defRPr sz="1800" kern="1200">
+                <a:solidFill>
+                  <a:schemeClr val="tx1"/>
+                </a:solidFill>
+                <a:latin typeface="+mn-lt"/>
+                <a:ea typeface="+mn-ea"/>
+                <a:cs typeface="+mn-cs"/>
+              </a:defRPr>
+            </a:lvl8pPr>
+            <a:lvl9pPr marL="3657600" algn="l" defTabSz="914400" rtl="0" eaLnBrk="1" latinLnBrk="0" hangingPunct="1">
+              <a:defRPr sz="1800" kern="1200">
+                <a:solidFill>
+                  <a:schemeClr val="tx1"/>
+                </a:solidFill>
+                <a:latin typeface="+mn-lt"/>
+                <a:ea typeface="+mn-ea"/>
+                <a:cs typeface="+mn-cs"/>
+              </a:defRPr>
+            </a:lvl9pPr>
+          </a:lstStyle>
+          <a:p>
+            <a:fld id="{3EBA5BD7-F043-4D1B-AA17-CD412FC534DE}" type="slidenum">
+              <a:rPr lang="en-US" smtClean="0"/>
+              <a:pPr/>
+              <a:t>42</a:t>
+            </a:fld>
+            <a:endParaRPr lang="en-US" dirty="0"/>
+          </a:p>
+        </p:txBody>
+      </p:sp>
+      <p:sp>
+        <p:nvSpPr>
+          <p:cNvPr id="6" name="Footer Placeholder 7">
+            <a:extLst>
+              <a:ext uri="{FF2B5EF4-FFF2-40B4-BE49-F238E27FC236}">
+                <a16:creationId xmlns:a16="http://schemas.microsoft.com/office/drawing/2014/main" id="{D889E7C3-6276-4BE4-92D2-554AD205C2F9}"/>
+              </a:ext>
+            </a:extLst>
+          </p:cNvPr>
+          <p:cNvSpPr>
+            <a:spLocks noGrp="1"/>
+          </p:cNvSpPr>
+          <p:nvPr>
+            <p:ph type="ftr" sz="quarter" idx="4"/>
+          </p:nvPr>
+        </p:nvSpPr>
+        <p:spPr>
+          <a:xfrm>
+            <a:off x="-1" y="8847000"/>
+            <a:ext cx="6488999" cy="297000"/>
+          </a:xfrm>
+          <a:prstGeom prst="rect">
+            <a:avLst/>
+          </a:prstGeom>
+        </p:spPr>
+        <p:txBody>
+          <a:bodyPr vert="horz" lIns="91440" tIns="45720" rIns="91440" bIns="45720" rtlCol="0" anchor="b"/>
+          <a:lstStyle>
+            <a:lvl1pPr algn="l">
+              <a:defRPr sz="1100"/>
+            </a:lvl1pPr>
+          </a:lstStyle>
+          <a:p>
+            <a:r>
+              <a:rPr lang="en-US" dirty="0"/>
+              <a:t>© SoftUni – </a:t>
+            </a:r>
+            <a:r>
+              <a:rPr lang="en-US" u="sng" dirty="0">
+                <a:hlinkClick r:id="rId3"/>
+              </a:rPr>
+              <a:t>https://softuni.org</a:t>
+            </a:r>
+            <a:r>
+              <a:rPr lang="en-US" dirty="0"/>
+              <a:t>. Copyrighted document. Unauthorized copy or reproduction is not permitted.</a:t>
+            </a:r>
+          </a:p>
+        </p:txBody>
+      </p:sp>
+    </p:spTree>
+    <p:extLst>
+      <p:ext uri="{BB962C8B-B14F-4D97-AF65-F5344CB8AC3E}">
+        <p14:creationId xmlns:p14="http://schemas.microsoft.com/office/powerpoint/2010/main" val="3085845613"/>
+      </p:ext>
+    </p:extLst>
+  </p:cSld>
+  <p:clrMapOvr>
+    <a:masterClrMapping/>
+  </p:clrMapOvr>
+</p:notes>
+</file>
+
 <file path=ppt/notesSlides/notesSlide2.xml><?xml version="1.0" encoding="utf-8"?>
 <p:notes xmlns:a="http://schemas.openxmlformats.org/drawingml/2006/main" xmlns:r="http://schemas.openxmlformats.org/officeDocument/2006/relationships" xmlns:p="http://schemas.openxmlformats.org/presentationml/2006/main">
   <p:cSld>
@@ -1231,7 +1472,25 @@
           <a:bodyPr/>
           <a:lstStyle/>
           <a:p>
+            <a:r>
+              <a:rPr lang="en-US" dirty="0" err="1"/>
+              <a:t>Rowset</a:t>
+            </a:r>
             <a:endParaRPr lang="en-US" dirty="0"/>
+          </a:p>
+          <a:p>
+            <a:r>
+              <a:rPr lang="en-US" dirty="0"/>
+              <a:t>=&gt; </a:t>
+            </a:r>
+            <a:r>
+              <a:rPr lang="bg-BG" dirty="0"/>
+              <a:t>Използва ме ги вместо </a:t>
+            </a:r>
+            <a:r>
+              <a:rPr lang="en-US" dirty="0"/>
+              <a:t>FROM</a:t>
+            </a:r>
           </a:p>
         </p:txBody>
       </p:sp>
@@ -1315,7 +1574,451 @@
           <a:bodyPr/>
           <a:lstStyle/>
           <a:p>
+            <a:r>
+              <a:rPr lang="en-US" dirty="0"/>
+              <a:t>SELECT </a:t>
+            </a:r>
+            <a:r>
+              <a:rPr lang="en-US" dirty="0">
+                <a:solidFill>
+                  <a:schemeClr val="bg1"/>
+                </a:solidFill>
+              </a:rPr>
+              <a:t>CONCAT</a:t>
+            </a:r>
+            <a:r>
+              <a:rPr lang="en-US" dirty="0"/>
+              <a:t>(FirstName, ' ', </a:t>
+            </a:r>
+            <a:r>
+              <a:rPr lang="en-US" dirty="0" err="1"/>
+              <a:t>LastName</a:t>
+            </a:r>
+            <a:r>
+              <a:rPr lang="en-US" dirty="0"/>
+              <a:t>)</a:t>
+            </a:r>
+          </a:p>
+          <a:p>
+            <a:r>
+              <a:rPr lang="en-US" dirty="0"/>
+              <a:t>    AS [Full Name]</a:t>
+            </a:r>
+          </a:p>
+          <a:p>
+            <a:r>
+              <a:rPr lang="en-US" dirty="0"/>
+              <a:t>  FROM Employee</a:t>
+            </a:r>
+          </a:p>
+          <a:p>
             <a:endParaRPr lang="en-US" dirty="0"/>
+          </a:p>
+          <a:p>
+            <a:pPr marL="0" marR="0" lvl="0" indent="0" algn="l" defTabSz="914400" rtl="0" eaLnBrk="1" fontAlgn="auto" latinLnBrk="0" hangingPunct="1">
+              <a:lnSpc>
+                <a:spcPct val="100000"/>
+              </a:lnSpc>
+              <a:spcBef>
+                <a:spcPts val="0"/>
+              </a:spcBef>
+              <a:spcAft>
+                <a:spcPts val="0"/>
+              </a:spcAft>
+              <a:buClrTx/>
+              <a:buSzTx/>
+              <a:buFontTx/>
+              <a:buNone/>
+              <a:tabLst/>
+              <a:defRPr/>
+            </a:pPr>
+            <a:r>
+              <a:rPr lang="en-US" b="1" dirty="0">
+                <a:solidFill>
+                  <a:schemeClr val="bg1"/>
+                </a:solidFill>
+              </a:rPr>
+              <a:t>CONCAT</a:t>
+            </a:r>
+            <a:r>
+              <a:rPr lang="en-US" dirty="0"/>
+              <a:t> replaces </a:t>
+            </a:r>
+            <a:r>
+              <a:rPr lang="en-US" b="1" dirty="0">
+                <a:solidFill>
+                  <a:schemeClr val="bg1"/>
+                </a:solidFill>
+              </a:rPr>
+              <a:t>NULL</a:t>
+            </a:r>
+            <a:r>
+              <a:rPr lang="en-US" dirty="0"/>
+              <a:t> values with </a:t>
+            </a:r>
+            <a:r>
+              <a:rPr lang="en-US" b="1" dirty="0">
+                <a:solidFill>
+                  <a:schemeClr val="bg1"/>
+                </a:solidFill>
+              </a:rPr>
+              <a:t>empty string</a:t>
+            </a:r>
+          </a:p>
+          <a:p>
+            <a:endParaRPr lang="en-US" dirty="0"/>
+          </a:p>
+          <a:p>
+            <a:r>
+              <a:rPr lang="en-US" dirty="0"/>
+              <a:t>SELECT FirstName </a:t>
+            </a:r>
+            <a:r>
+              <a:rPr lang="en-US" dirty="0">
+                <a:solidFill>
+                  <a:schemeClr val="bg1"/>
+                </a:solidFill>
+              </a:rPr>
+              <a:t>+ ' ' + </a:t>
+            </a:r>
+            <a:r>
+              <a:rPr lang="en-US" dirty="0" err="1"/>
+              <a:t>LastName</a:t>
+            </a:r>
+            <a:endParaRPr lang="en-US" dirty="0"/>
+          </a:p>
+          <a:p>
+            <a:r>
+              <a:rPr lang="en-US" dirty="0"/>
+              <a:t>    AS [Full Name]</a:t>
+            </a:r>
+          </a:p>
+          <a:p>
+            <a:r>
+              <a:rPr lang="en-US" dirty="0"/>
+              <a:t>  FROM Employee</a:t>
+            </a:r>
+          </a:p>
+          <a:p>
+            <a:endParaRPr lang="en-US" dirty="0"/>
+          </a:p>
+          <a:p>
+            <a:r>
+              <a:rPr lang="bg-BG" dirty="0"/>
+              <a:t>При + ако в един ред една от колоните има </a:t>
+            </a:r>
+            <a:r>
+              <a:rPr lang="en-US" dirty="0"/>
+              <a:t>NULL</a:t>
+            </a:r>
+            <a:r>
+              <a:rPr lang="bg-BG" dirty="0"/>
+              <a:t> =&gt; То отговора =&gt; </a:t>
+            </a:r>
+            <a:r>
+              <a:rPr lang="en-US" dirty="0"/>
+              <a:t>Full Name </a:t>
+            </a:r>
+            <a:r>
+              <a:rPr lang="bg-BG" dirty="0"/>
+              <a:t>=&gt; ще бъде записан като </a:t>
+            </a:r>
+            <a:r>
+              <a:rPr lang="en-US" dirty="0"/>
+              <a:t>NULL</a:t>
+            </a:r>
+            <a:endParaRPr lang="bg-BG" dirty="0"/>
+          </a:p>
+        </p:txBody>
+      </p:sp>
+      <p:sp>
+        <p:nvSpPr>
+          <p:cNvPr id="4" name="Slide Number Placeholder 3"/>
+          <p:cNvSpPr>
+            <a:spLocks noGrp="1"/>
+          </p:cNvSpPr>
+          <p:nvPr>
+            <p:ph type="sldNum" sz="quarter" idx="5"/>
+          </p:nvPr>
+        </p:nvSpPr>
+        <p:spPr/>
+        <p:txBody>
+          <a:bodyPr/>
+          <a:lstStyle/>
+          <a:p>
+            <a:fld id="{2BF067CD-8E6B-4360-9AA8-C5DF2A48A6D1}" type="slidenum">
+              <a:rPr lang="en-US" smtClean="0"/>
+              <a:t>8</a:t>
+            </a:fld>
+            <a:endParaRPr lang="en-US" dirty="0"/>
+          </a:p>
+        </p:txBody>
+      </p:sp>
+      <p:sp>
+        <p:nvSpPr>
+          <p:cNvPr id="5" name="Footer Placeholder 4"/>
+          <p:cNvSpPr>
+            <a:spLocks noGrp="1"/>
+          </p:cNvSpPr>
+          <p:nvPr>
+            <p:ph type="ftr" sz="quarter" idx="4"/>
+          </p:nvPr>
+        </p:nvSpPr>
+        <p:spPr/>
+        <p:txBody>
+          <a:bodyPr/>
+          <a:lstStyle/>
+          <a:p>
+            <a:r>
+              <a:rPr lang="en-US"/>
+              <a:t>© SoftUni – </a:t>
+            </a:r>
+            <a:r>
+              <a:rPr lang="en-US" u="sng">
+                <a:hlinkClick r:id="rId3"/>
+              </a:rPr>
+              <a:t>https://softuni.org</a:t>
+            </a:r>
+            <a:r>
+              <a:rPr lang="en-US"/>
+              <a:t>. Copyrighted document. Unauthorized copy or reproduction is not permitted.</a:t>
+            </a:r>
+            <a:endParaRPr lang="en-US" dirty="0"/>
+          </a:p>
+        </p:txBody>
+      </p:sp>
+    </p:spTree>
+    <p:extLst>
+      <p:ext uri="{BB962C8B-B14F-4D97-AF65-F5344CB8AC3E}">
+        <p14:creationId xmlns:p14="http://schemas.microsoft.com/office/powerpoint/2010/main" val="1888037669"/>
+      </p:ext>
+    </p:extLst>
+  </p:cSld>
+  <p:clrMapOvr>
+    <a:masterClrMapping/>
+  </p:clrMapOvr>
+</p:notes>
+</file>
+
+<file path=ppt/notesSlides/notesSlide6.xml><?xml version="1.0" encoding="utf-8"?>
+<p:notes xmlns:a="http://schemas.openxmlformats.org/drawingml/2006/main" xmlns:r="http://schemas.openxmlformats.org/officeDocument/2006/relationships" xmlns:p="http://schemas.openxmlformats.org/presentationml/2006/main">
+  <p:cSld>
+    <p:spTree>
+      <p:nvGrpSpPr>
+        <p:cNvPr id="1" name=""/>
+        <p:cNvGrpSpPr/>
+        <p:nvPr/>
+      </p:nvGrpSpPr>
+      <p:grpSpPr>
+        <a:xfrm>
+          <a:off x="0" y="0"/>
+          <a:ext cx="0" cy="0"/>
+          <a:chOff x="0" y="0"/>
+          <a:chExt cx="0" cy="0"/>
+        </a:xfrm>
+      </p:grpSpPr>
+      <p:sp>
+        <p:nvSpPr>
+          <p:cNvPr id="2" name="Slide Image Placeholder 1"/>
+          <p:cNvSpPr>
+            <a:spLocks noGrp="1" noRot="1" noChangeAspect="1"/>
+          </p:cNvSpPr>
+          <p:nvPr>
+            <p:ph type="sldImg"/>
+          </p:nvPr>
+        </p:nvSpPr>
+        <p:spPr/>
+      </p:sp>
+      <p:sp>
+        <p:nvSpPr>
+          <p:cNvPr id="3" name="Notes Placeholder 2"/>
+          <p:cNvSpPr>
+            <a:spLocks noGrp="1"/>
+          </p:cNvSpPr>
+          <p:nvPr>
+            <p:ph type="body" idx="1"/>
+          </p:nvPr>
+        </p:nvSpPr>
+        <p:spPr/>
+        <p:txBody>
+          <a:bodyPr/>
+          <a:lstStyle/>
+          <a:p>
+            <a:r>
+              <a:rPr lang="bg-BG" dirty="0"/>
+              <a:t>НИКОГА Целочисленото деление и делението на 0 </a:t>
+            </a:r>
+          </a:p>
+          <a:p>
+            <a:r>
+              <a:rPr lang="bg-BG" dirty="0"/>
+              <a:t>=&gt; 3/2 = 1, а не на 1.5, освен ако не конвертираме един от аргументите в </a:t>
+            </a:r>
+            <a:r>
+              <a:rPr lang="en-US" dirty="0"/>
+              <a:t>decimal</a:t>
+            </a:r>
+            <a:endParaRPr lang="bg-BG" dirty="0"/>
+          </a:p>
+        </p:txBody>
+      </p:sp>
+      <p:sp>
+        <p:nvSpPr>
+          <p:cNvPr id="4" name="Slide Number Placeholder 3"/>
+          <p:cNvSpPr>
+            <a:spLocks noGrp="1"/>
+          </p:cNvSpPr>
+          <p:nvPr>
+            <p:ph type="sldNum" sz="quarter" idx="5"/>
+          </p:nvPr>
+        </p:nvSpPr>
+        <p:spPr/>
+        <p:txBody>
+          <a:bodyPr/>
+          <a:lstStyle/>
+          <a:p>
+            <a:fld id="{2BF067CD-8E6B-4360-9AA8-C5DF2A48A6D1}" type="slidenum">
+              <a:rPr lang="en-US" smtClean="0"/>
+              <a:t>18</a:t>
+            </a:fld>
+            <a:endParaRPr lang="en-US" dirty="0"/>
+          </a:p>
+        </p:txBody>
+      </p:sp>
+      <p:sp>
+        <p:nvSpPr>
+          <p:cNvPr id="5" name="Footer Placeholder 4"/>
+          <p:cNvSpPr>
+            <a:spLocks noGrp="1"/>
+          </p:cNvSpPr>
+          <p:nvPr>
+            <p:ph type="ftr" sz="quarter" idx="4"/>
+          </p:nvPr>
+        </p:nvSpPr>
+        <p:spPr/>
+        <p:txBody>
+          <a:bodyPr/>
+          <a:lstStyle/>
+          <a:p>
+            <a:r>
+              <a:rPr lang="en-US"/>
+              <a:t>© SoftUni – </a:t>
+            </a:r>
+            <a:r>
+              <a:rPr lang="en-US" u="sng">
+                <a:hlinkClick r:id="rId3"/>
+              </a:rPr>
+              <a:t>https://softuni.org</a:t>
+            </a:r>
+            <a:r>
+              <a:rPr lang="en-US"/>
+              <a:t>. Copyrighted document. Unauthorized copy or reproduction is not permitted.</a:t>
+            </a:r>
+            <a:endParaRPr lang="en-US" dirty="0"/>
+          </a:p>
+        </p:txBody>
+      </p:sp>
+    </p:spTree>
+    <p:extLst>
+      <p:ext uri="{BB962C8B-B14F-4D97-AF65-F5344CB8AC3E}">
+        <p14:creationId xmlns:p14="http://schemas.microsoft.com/office/powerpoint/2010/main" val="1612678097"/>
+      </p:ext>
+    </p:extLst>
+  </p:cSld>
+  <p:clrMapOvr>
+    <a:masterClrMapping/>
+  </p:clrMapOvr>
+</p:notes>
+</file>
+
+<file path=ppt/notesSlides/notesSlide7.xml><?xml version="1.0" encoding="utf-8"?>
+<p:notes xmlns:a="http://schemas.openxmlformats.org/drawingml/2006/main" xmlns:r="http://schemas.openxmlformats.org/officeDocument/2006/relationships" xmlns:p="http://schemas.openxmlformats.org/presentationml/2006/main">
+  <p:cSld>
+    <p:spTree>
+      <p:nvGrpSpPr>
+        <p:cNvPr id="1" name=""/>
+        <p:cNvGrpSpPr/>
+        <p:nvPr/>
+      </p:nvGrpSpPr>
+      <p:grpSpPr>
+        <a:xfrm>
+          <a:off x="0" y="0"/>
+          <a:ext cx="0" cy="0"/>
+          <a:chOff x="0" y="0"/>
+          <a:chExt cx="0" cy="0"/>
+        </a:xfrm>
+      </p:grpSpPr>
+      <p:sp>
+        <p:nvSpPr>
+          <p:cNvPr id="2" name="Slide Image Placeholder 1"/>
+          <p:cNvSpPr>
+            <a:spLocks noGrp="1" noRot="1" noChangeAspect="1"/>
+          </p:cNvSpPr>
+          <p:nvPr>
+            <p:ph type="sldImg"/>
+          </p:nvPr>
+        </p:nvSpPr>
+        <p:spPr/>
+      </p:sp>
+      <p:sp>
+        <p:nvSpPr>
+          <p:cNvPr id="3" name="Notes Placeholder 2"/>
+          <p:cNvSpPr>
+            <a:spLocks noGrp="1"/>
+          </p:cNvSpPr>
+          <p:nvPr>
+            <p:ph type="body" idx="1"/>
+          </p:nvPr>
+        </p:nvSpPr>
+        <p:spPr/>
+        <p:txBody>
+          <a:bodyPr/>
+          <a:lstStyle/>
+          <a:p>
+            <a:r>
+              <a:rPr lang="bg-BG" dirty="0"/>
+              <a:t>Функция</a:t>
+            </a:r>
+          </a:p>
+          <a:p>
+            <a:pPr marL="171450" indent="-171450">
+              <a:buFont typeface="Symbol" panose="05050102010706020507" pitchFamily="18" charset="2"/>
+              <a:buChar char="Þ"/>
+            </a:pPr>
+            <a:r>
+              <a:rPr lang="bg-BG" dirty="0"/>
+              <a:t>Тя винаги връща резултат</a:t>
+            </a:r>
+          </a:p>
+          <a:p>
+            <a:pPr marL="171450" indent="-171450">
+              <a:buFont typeface="Symbol" panose="05050102010706020507" pitchFamily="18" charset="2"/>
+              <a:buChar char="Þ"/>
+            </a:pPr>
+            <a:r>
+              <a:rPr lang="bg-BG" dirty="0"/>
+              <a:t>Може да връща един резултат </a:t>
+            </a:r>
+          </a:p>
+          <a:p>
+            <a:pPr marL="171450" indent="-171450">
+              <a:buFont typeface="Symbol" panose="05050102010706020507" pitchFamily="18" charset="2"/>
+              <a:buChar char="Þ"/>
+            </a:pPr>
+            <a:r>
+              <a:rPr lang="bg-BG" dirty="0"/>
+              <a:t>Може да има параметри</a:t>
+            </a:r>
+          </a:p>
+          <a:p>
+            <a:pPr marL="171450" indent="-171450">
+              <a:buFont typeface="Symbol" panose="05050102010706020507" pitchFamily="18" charset="2"/>
+              <a:buChar char="Þ"/>
+            </a:pPr>
+            <a:r>
+              <a:rPr lang="bg-BG" dirty="0"/>
+              <a:t>Резултат от една функция може да бъде параметър за друга функция</a:t>
+            </a:r>
           </a:p>
         </p:txBody>
       </p:sp>
@@ -1465,7 +2168,7 @@
 </p:notes>
 </file>
 
-<file path=ppt/notesSlides/notesSlide6.xml><?xml version="1.0" encoding="utf-8"?>
+<file path=ppt/notesSlides/notesSlide8.xml><?xml version="1.0" encoding="utf-8"?>
 <p:notes xmlns:a="http://schemas.openxmlformats.org/drawingml/2006/main" xmlns:r="http://schemas.openxmlformats.org/officeDocument/2006/relationships" xmlns:p="http://schemas.openxmlformats.org/presentationml/2006/main">
   <p:cSld>
     <p:spTree>
@@ -1706,7 +2409,7 @@
 </p:notes>
 </file>
 
-<file path=ppt/notesSlides/notesSlide7.xml><?xml version="1.0" encoding="utf-8"?>
+<file path=ppt/notesSlides/notesSlide9.xml><?xml version="1.0" encoding="utf-8"?>
 <p:notes xmlns:a="http://schemas.openxmlformats.org/drawingml/2006/main" xmlns:r="http://schemas.openxmlformats.org/officeDocument/2006/relationships" xmlns:p="http://schemas.openxmlformats.org/presentationml/2006/main">
   <p:cSld>
     <p:spTree>
@@ -1938,247 +2641,6 @@
     <p:extLst>
       <p:ext uri="{BB962C8B-B14F-4D97-AF65-F5344CB8AC3E}">
         <p14:creationId xmlns:p14="http://schemas.microsoft.com/office/powerpoint/2010/main" val="3004673145"/>
-      </p:ext>
-    </p:extLst>
-  </p:cSld>
-  <p:clrMapOvr>
-    <a:masterClrMapping/>
-  </p:clrMapOvr>
-</p:notes>
-</file>
-
-<file path=ppt/notesSlides/notesSlide8.xml><?xml version="1.0" encoding="utf-8"?>
-<p:notes xmlns:a="http://schemas.openxmlformats.org/drawingml/2006/main" xmlns:r="http://schemas.openxmlformats.org/officeDocument/2006/relationships" xmlns:p="http://schemas.openxmlformats.org/presentationml/2006/main">
-  <p:cSld>
-    <p:spTree>
-      <p:nvGrpSpPr>
-        <p:cNvPr id="1" name=""/>
-        <p:cNvGrpSpPr/>
-        <p:nvPr/>
-      </p:nvGrpSpPr>
-      <p:grpSpPr>
-        <a:xfrm>
-          <a:off x="0" y="0"/>
-          <a:ext cx="0" cy="0"/>
-          <a:chOff x="0" y="0"/>
-          <a:chExt cx="0" cy="0"/>
-        </a:xfrm>
-      </p:grpSpPr>
-      <p:sp>
-        <p:nvSpPr>
-          <p:cNvPr id="2" name="Slide Image Placeholder 1"/>
-          <p:cNvSpPr>
-            <a:spLocks noGrp="1" noRot="1" noChangeAspect="1"/>
-          </p:cNvSpPr>
-          <p:nvPr>
-            <p:ph type="sldImg"/>
-          </p:nvPr>
-        </p:nvSpPr>
-        <p:spPr/>
-      </p:sp>
-      <p:sp>
-        <p:nvSpPr>
-          <p:cNvPr id="3" name="Notes Placeholder 2"/>
-          <p:cNvSpPr>
-            <a:spLocks noGrp="1"/>
-          </p:cNvSpPr>
-          <p:nvPr>
-            <p:ph type="body" idx="1"/>
-          </p:nvPr>
-        </p:nvSpPr>
-        <p:spPr/>
-        <p:txBody>
-          <a:bodyPr/>
-          <a:lstStyle/>
-          <a:p>
-            <a:endParaRPr lang="en-US"/>
-          </a:p>
-        </p:txBody>
-      </p:sp>
-      <p:sp>
-        <p:nvSpPr>
-          <p:cNvPr id="7" name="Slide Number Placeholder 5">
-            <a:extLst>
-              <a:ext uri="{FF2B5EF4-FFF2-40B4-BE49-F238E27FC236}">
-                <a16:creationId xmlns:a16="http://schemas.microsoft.com/office/drawing/2014/main" id="{5D1C0779-821B-433B-AB3A-0953EE966C7E}"/>
-              </a:ext>
-            </a:extLst>
-          </p:cNvPr>
-          <p:cNvSpPr txBox="1">
-            <a:spLocks/>
-          </p:cNvSpPr>
-          <p:nvPr/>
-        </p:nvSpPr>
-        <p:spPr>
-          <a:xfrm>
-            <a:off x="6488999" y="8847000"/>
-            <a:ext cx="367414" cy="297000"/>
-          </a:xfrm>
-          <a:prstGeom prst="rect">
-            <a:avLst/>
-          </a:prstGeom>
-        </p:spPr>
-        <p:txBody>
-          <a:bodyPr vert="horz" lIns="91440" tIns="45720" rIns="91440" bIns="45720" rtlCol="0" anchor="b"/>
-          <a:lstStyle>
-            <a:defPPr>
-              <a:defRPr lang="en-US"/>
-            </a:defPPr>
-            <a:lvl1pPr marL="0" algn="r" defTabSz="914400" rtl="0" eaLnBrk="1" latinLnBrk="0" hangingPunct="1">
-              <a:defRPr sz="1200" kern="1200">
-                <a:solidFill>
-                  <a:schemeClr val="tx1"/>
-                </a:solidFill>
-                <a:latin typeface="+mn-lt"/>
-                <a:ea typeface="+mn-ea"/>
-                <a:cs typeface="+mn-cs"/>
-              </a:defRPr>
-            </a:lvl1pPr>
-            <a:lvl2pPr marL="457200" algn="l" defTabSz="914400" rtl="0" eaLnBrk="1" latinLnBrk="0" hangingPunct="1">
-              <a:defRPr sz="1800" kern="1200">
-                <a:solidFill>
-                  <a:schemeClr val="tx1"/>
-                </a:solidFill>
-                <a:latin typeface="+mn-lt"/>
-                <a:ea typeface="+mn-ea"/>
-                <a:cs typeface="+mn-cs"/>
-              </a:defRPr>
-            </a:lvl2pPr>
-            <a:lvl3pPr marL="914400" algn="l" defTabSz="914400" rtl="0" eaLnBrk="1" latinLnBrk="0" hangingPunct="1">
-              <a:defRPr sz="1800" kern="1200">
-                <a:solidFill>
-                  <a:schemeClr val="tx1"/>
-                </a:solidFill>
-                <a:latin typeface="+mn-lt"/>
-                <a:ea typeface="+mn-ea"/>
-                <a:cs typeface="+mn-cs"/>
-              </a:defRPr>
-            </a:lvl3pPr>
-            <a:lvl4pPr marL="1371600" algn="l" defTabSz="914400" rtl="0" eaLnBrk="1" latinLnBrk="0" hangingPunct="1">
-              <a:defRPr sz="1800" kern="1200">
-                <a:solidFill>
-                  <a:schemeClr val="tx1"/>
-                </a:solidFill>
-                <a:latin typeface="+mn-lt"/>
-                <a:ea typeface="+mn-ea"/>
-                <a:cs typeface="+mn-cs"/>
-              </a:defRPr>
-            </a:lvl4pPr>
-            <a:lvl5pPr marL="1828800" algn="l" defTabSz="914400" rtl="0" eaLnBrk="1" latinLnBrk="0" hangingPunct="1">
-              <a:defRPr sz="1800" kern="1200">
-                <a:solidFill>
-                  <a:schemeClr val="tx1"/>
-                </a:solidFill>
-                <a:latin typeface="+mn-lt"/>
-                <a:ea typeface="+mn-ea"/>
-                <a:cs typeface="+mn-cs"/>
-              </a:defRPr>
-            </a:lvl5pPr>
-            <a:lvl6pPr marL="2286000" algn="l" defTabSz="914400" rtl="0" eaLnBrk="1" latinLnBrk="0" hangingPunct="1">
-              <a:defRPr sz="1800" kern="1200">
-                <a:solidFill>
-                  <a:schemeClr val="tx1"/>
-                </a:solidFill>
-                <a:latin typeface="+mn-lt"/>
-                <a:ea typeface="+mn-ea"/>
-                <a:cs typeface="+mn-cs"/>
-              </a:defRPr>
-            </a:lvl6pPr>
-            <a:lvl7pPr marL="2743200" algn="l" defTabSz="914400" rtl="0" eaLnBrk="1" latinLnBrk="0" hangingPunct="1">
-              <a:defRPr sz="1800" kern="1200">
-                <a:solidFill>
-                  <a:schemeClr val="tx1"/>
-                </a:solidFill>
-                <a:latin typeface="+mn-lt"/>
-                <a:ea typeface="+mn-ea"/>
-                <a:cs typeface="+mn-cs"/>
-              </a:defRPr>
-            </a:lvl7pPr>
-            <a:lvl8pPr marL="3200400" algn="l" defTabSz="914400" rtl="0" eaLnBrk="1" latinLnBrk="0" hangingPunct="1">
-              <a:defRPr sz="1800" kern="1200">
-                <a:solidFill>
-                  <a:schemeClr val="tx1"/>
-                </a:solidFill>
-                <a:latin typeface="+mn-lt"/>
-                <a:ea typeface="+mn-ea"/>
-                <a:cs typeface="+mn-cs"/>
-              </a:defRPr>
-            </a:lvl8pPr>
-            <a:lvl9pPr marL="3657600" algn="l" defTabSz="914400" rtl="0" eaLnBrk="1" latinLnBrk="0" hangingPunct="1">
-              <a:defRPr sz="1800" kern="1200">
-                <a:solidFill>
-                  <a:schemeClr val="tx1"/>
-                </a:solidFill>
-                <a:latin typeface="+mn-lt"/>
-                <a:ea typeface="+mn-ea"/>
-                <a:cs typeface="+mn-cs"/>
-              </a:defRPr>
-            </a:lvl9pPr>
-          </a:lstStyle>
-          <a:p>
-            <a:fld id="{3EBA5BD7-F043-4D1B-AA17-CD412FC534DE}" type="slidenum">
-              <a:rPr lang="en-US" smtClean="0"/>
-              <a:pPr/>
-              <a:t>42</a:t>
-            </a:fld>
-            <a:endParaRPr lang="en-US" dirty="0"/>
-          </a:p>
-        </p:txBody>
-      </p:sp>
-      <p:sp>
-        <p:nvSpPr>
-          <p:cNvPr id="6" name="Footer Placeholder 7">
-            <a:extLst>
-              <a:ext uri="{FF2B5EF4-FFF2-40B4-BE49-F238E27FC236}">
-                <a16:creationId xmlns:a16="http://schemas.microsoft.com/office/drawing/2014/main" id="{D889E7C3-6276-4BE4-92D2-554AD205C2F9}"/>
-              </a:ext>
-            </a:extLst>
-          </p:cNvPr>
-          <p:cNvSpPr>
-            <a:spLocks noGrp="1"/>
-          </p:cNvSpPr>
-          <p:nvPr>
-            <p:ph type="ftr" sz="quarter" idx="4"/>
-          </p:nvPr>
-        </p:nvSpPr>
-        <p:spPr>
-          <a:xfrm>
-            <a:off x="-1" y="8847000"/>
-            <a:ext cx="6488999" cy="297000"/>
-          </a:xfrm>
-          <a:prstGeom prst="rect">
-            <a:avLst/>
-          </a:prstGeom>
-        </p:spPr>
-        <p:txBody>
-          <a:bodyPr vert="horz" lIns="91440" tIns="45720" rIns="91440" bIns="45720" rtlCol="0" anchor="b"/>
-          <a:lstStyle>
-            <a:lvl1pPr algn="l">
-              <a:defRPr sz="1100"/>
-            </a:lvl1pPr>
-          </a:lstStyle>
-          <a:p>
-            <a:r>
-              <a:rPr lang="en-US" dirty="0"/>
-              <a:t>© SoftUni – </a:t>
-            </a:r>
-            <a:r>
-              <a:rPr lang="en-US" u="sng" dirty="0">
-                <a:hlinkClick r:id="rId3"/>
-              </a:rPr>
-              <a:t>https://softuni.org</a:t>
-            </a:r>
-            <a:r>
-              <a:rPr lang="en-US" dirty="0"/>
-              <a:t>. Copyrighted document. Unauthorized copy or reproduction is not permitted.</a:t>
-            </a:r>
-          </a:p>
-        </p:txBody>
-      </p:sp>
-    </p:spTree>
-    <p:extLst>
-      <p:ext uri="{BB962C8B-B14F-4D97-AF65-F5344CB8AC3E}">
-        <p14:creationId xmlns:p14="http://schemas.microsoft.com/office/powerpoint/2010/main" val="3085845613"/>
       </p:ext>
     </p:extLst>
   </p:cSld>
@@ -11752,17 +12214,9 @@
             <a:br>
               <a:rPr lang="en-US" dirty="0"/>
             </a:br>
-            <a:r>
-              <a:rPr lang="en-US" dirty="0"/>
-              <a:t/>
-            </a:r>
             <a:br>
               <a:rPr lang="en-US" dirty="0"/>
             </a:br>
-            <a:r>
-              <a:rPr lang="en-US" dirty="0"/>
-              <a:t/>
-            </a:r>
             <a:br>
               <a:rPr lang="en-US" dirty="0"/>
             </a:br>
@@ -12610,10 +13064,6 @@
             <a:br>
               <a:rPr lang="en-US" dirty="0"/>
             </a:br>
-            <a:r>
-              <a:rPr lang="en-US" dirty="0"/>
-              <a:t/>
-            </a:r>
             <a:br>
               <a:rPr lang="en-US" dirty="0"/>
             </a:br>
@@ -13281,17 +13731,9 @@
             <a:br>
               <a:rPr lang="en-US" dirty="0"/>
             </a:br>
-            <a:r>
-              <a:rPr lang="en-US" dirty="0"/>
-              <a:t/>
-            </a:r>
             <a:br>
               <a:rPr lang="en-US" dirty="0"/>
             </a:br>
-            <a:r>
-              <a:rPr lang="en-US" dirty="0"/>
-              <a:t/>
-            </a:r>
             <a:br>
               <a:rPr lang="en-US" dirty="0"/>
             </a:br>
@@ -13843,10 +14285,6 @@
             <a:br>
               <a:rPr lang="en-US" dirty="0"/>
             </a:br>
-            <a:r>
-              <a:rPr lang="en-US" dirty="0"/>
-              <a:t/>
-            </a:r>
             <a:br>
               <a:rPr lang="en-US" dirty="0"/>
             </a:br>
@@ -14692,10 +15130,9 @@
           <a:lstStyle/>
           <a:p>
             <a:r>
-              <a:rPr lang="en-US"/>
+              <a:rPr lang="en-US" dirty="0"/>
               <a:t>Problem: Obfuscate CC Numbers</a:t>
             </a:r>
-            <a:endParaRPr lang="en-US" dirty="0"/>
           </a:p>
         </p:txBody>
       </p:sp>
@@ -14705,7 +15142,13 @@
           <p:cNvGraphicFramePr>
             <a:graphicFrameLocks/>
           </p:cNvGraphicFramePr>
-          <p:nvPr/>
+          <p:nvPr>
+            <p:extLst>
+              <p:ext uri="{D42A27DB-BD31-4B8C-83A1-F6EECF244321}">
+                <p14:modId xmlns:p14="http://schemas.microsoft.com/office/powerpoint/2010/main" val="389211474"/>
+              </p:ext>
+            </p:extLst>
+          </p:nvPr>
         </p:nvGraphicFramePr>
         <p:xfrm>
           <a:off x="1416000" y="2489346"/>
@@ -18530,24 +18973,12 @@
             <a:br>
               <a:rPr lang="en-US" dirty="0"/>
             </a:br>
-            <a:r>
-              <a:rPr lang="en-US" dirty="0"/>
-              <a:t/>
-            </a:r>
             <a:br>
               <a:rPr lang="en-US" dirty="0"/>
             </a:br>
-            <a:r>
-              <a:rPr lang="en-US" dirty="0"/>
-              <a:t/>
-            </a:r>
             <a:br>
               <a:rPr lang="en-US" dirty="0"/>
             </a:br>
-            <a:r>
-              <a:rPr lang="en-US" dirty="0"/>
-              <a:t/>
-            </a:r>
             <a:br>
               <a:rPr lang="en-US" dirty="0"/>
             </a:br>
@@ -19237,17 +19668,9 @@
             <a:br>
               <a:rPr lang="en-US" dirty="0"/>
             </a:br>
-            <a:r>
-              <a:rPr lang="en-US" dirty="0"/>
-              <a:t/>
-            </a:r>
             <a:br>
               <a:rPr lang="en-US" dirty="0"/>
             </a:br>
-            <a:r>
-              <a:rPr lang="en-US" dirty="0"/>
-              <a:t/>
-            </a:r>
             <a:br>
               <a:rPr lang="en-US" dirty="0"/>
             </a:br>
@@ -19925,7 +20348,7 @@
           <a:lstStyle/>
           <a:p>
             <a:r>
-              <a:rPr lang="en-US" smtClean="0"/>
+              <a:rPr lang="en-US"/>
               <a:t>Arithmetic, PI, ABS, ROUND, Etc.</a:t>
             </a:r>
             <a:endParaRPr lang="en-US" dirty="0"/>
@@ -19954,7 +20377,7 @@
           <a:lstStyle/>
           <a:p>
             <a:r>
-              <a:rPr lang="en-US" smtClean="0"/>
+              <a:rPr lang="en-US"/>
               <a:t>Math Functions</a:t>
             </a:r>
             <a:endParaRPr lang="en-US" dirty="0"/>
@@ -20225,7 +20648,7 @@
             <p:nvPr/>
           </p:nvPicPr>
           <p:blipFill>
-            <a:blip r:embed="rId2"/>
+            <a:blip r:embed="rId3"/>
             <a:stretch>
               <a:fillRect/>
             </a:stretch>
@@ -20297,7 +20720,7 @@
             <p:nvPr/>
           </p:nvPicPr>
           <p:blipFill>
-            <a:blip r:embed="rId3"/>
+            <a:blip r:embed="rId4"/>
             <a:stretch>
               <a:fillRect/>
             </a:stretch>
@@ -20322,7 +20745,7 @@
           <p:nvPr/>
         </p:nvPicPr>
         <p:blipFill>
-          <a:blip r:embed="rId4">
+          <a:blip r:embed="rId5">
             <a:extLst>
               <a:ext uri="{28A0092B-C50C-407E-A947-70E740481C1C}">
                 <a14:useLocalDpi xmlns:a14="http://schemas.microsoft.com/office/drawing/2010/main" val="0"/>
@@ -23768,10 +24191,9 @@
           <a:lstStyle/>
           <a:p>
             <a:r>
-              <a:rPr lang="en-US"/>
+              <a:rPr lang="en-US" dirty="0"/>
               <a:t>Solution: Pallets</a:t>
             </a:r>
-            <a:endParaRPr lang="en-US" dirty="0"/>
           </a:p>
         </p:txBody>
       </p:sp>
@@ -24134,10 +24556,6 @@
             <a:br>
               <a:rPr lang="en-US" dirty="0"/>
             </a:br>
-            <a:r>
-              <a:rPr lang="en-US" dirty="0"/>
-              <a:t/>
-            </a:r>
             <a:br>
               <a:rPr lang="en-US" dirty="0"/>
             </a:br>
@@ -24659,7 +25077,7 @@
           <a:lstStyle/>
           <a:p>
             <a:r>
-              <a:rPr lang="en-US" smtClean="0"/>
+              <a:rPr lang="en-US"/>
               <a:t>GETDATE, DATEDIFF, DATEPART, Etc.</a:t>
             </a:r>
             <a:endParaRPr lang="en-US" dirty="0"/>
@@ -24688,10 +25106,9 @@
           <a:lstStyle/>
           <a:p>
             <a:r>
-              <a:rPr lang="en-US" dirty="0" smtClean="0"/>
+              <a:rPr lang="en-US" dirty="0"/>
               <a:t>Date Functions</a:t>
             </a:r>
-            <a:endParaRPr lang="en-US" dirty="0"/>
           </a:p>
         </p:txBody>
       </p:sp>
@@ -24811,45 +25228,21 @@
             <a:br>
               <a:rPr lang="en-US" dirty="0"/>
             </a:br>
-            <a:r>
-              <a:rPr lang="en-US" dirty="0"/>
-              <a:t/>
-            </a:r>
             <a:br>
               <a:rPr lang="en-US" dirty="0"/>
             </a:br>
-            <a:r>
-              <a:rPr lang="en-US" dirty="0"/>
-              <a:t/>
-            </a:r>
             <a:br>
               <a:rPr lang="en-US" dirty="0"/>
             </a:br>
-            <a:r>
-              <a:rPr lang="en-US" dirty="0"/>
-              <a:t/>
-            </a:r>
             <a:br>
               <a:rPr lang="en-US" dirty="0"/>
             </a:br>
-            <a:r>
-              <a:rPr lang="en-US" dirty="0"/>
-              <a:t/>
-            </a:r>
             <a:br>
               <a:rPr lang="en-US" dirty="0"/>
             </a:br>
-            <a:r>
-              <a:rPr lang="en-US" dirty="0"/>
-              <a:t/>
-            </a:r>
             <a:br>
               <a:rPr lang="en-US" dirty="0"/>
             </a:br>
-            <a:r>
-              <a:rPr lang="en-US" dirty="0"/>
-              <a:t/>
-            </a:r>
             <a:br>
               <a:rPr lang="en-US" dirty="0"/>
             </a:br>
@@ -26041,45 +26434,21 @@
             <a:br>
               <a:rPr lang="en-US" dirty="0"/>
             </a:br>
-            <a:r>
-              <a:rPr lang="en-US" dirty="0"/>
-              <a:t/>
-            </a:r>
             <a:br>
               <a:rPr lang="en-US" dirty="0"/>
             </a:br>
-            <a:r>
-              <a:rPr lang="en-US" dirty="0"/>
-              <a:t/>
-            </a:r>
             <a:br>
               <a:rPr lang="en-US" dirty="0"/>
             </a:br>
-            <a:r>
-              <a:rPr lang="en-US" dirty="0"/>
-              <a:t/>
-            </a:r>
             <a:br>
               <a:rPr lang="en-US" dirty="0"/>
             </a:br>
-            <a:r>
-              <a:rPr lang="en-US" dirty="0"/>
-              <a:t/>
-            </a:r>
             <a:br>
               <a:rPr lang="en-US" dirty="0"/>
             </a:br>
-            <a:r>
-              <a:rPr lang="en-US" dirty="0"/>
-              <a:t/>
-            </a:r>
             <a:br>
               <a:rPr lang="en-US" dirty="0"/>
             </a:br>
-            <a:r>
-              <a:rPr lang="en-US" dirty="0"/>
-              <a:t/>
-            </a:r>
             <a:br>
               <a:rPr lang="en-US" dirty="0"/>
             </a:br>
@@ -26808,10 +27177,6 @@
             <a:br>
               <a:rPr lang="en-US" dirty="0"/>
             </a:br>
-            <a:r>
-              <a:rPr lang="en-US" dirty="0"/>
-              <a:t/>
-            </a:r>
             <a:br>
               <a:rPr lang="en-US" dirty="0"/>
             </a:br>
@@ -27302,10 +27667,6 @@
               </a:rPr>
               <a:t>sli.do</a:t>
             </a:r>
-            <a:r>
-              <a:rPr lang="en-US" sz="6000" b="1" dirty="0"/>
-              <a:t/>
-            </a:r>
             <a:br>
               <a:rPr lang="en-US" sz="6000" b="1" dirty="0"/>
             </a:br>
@@ -27464,10 +27825,6 @@
             <a:br>
               <a:rPr lang="en-US" dirty="0"/>
             </a:br>
-            <a:r>
-              <a:rPr lang="en-US" dirty="0"/>
-              <a:t/>
-            </a:r>
             <a:br>
               <a:rPr lang="en-US" dirty="0"/>
             </a:br>
@@ -28485,10 +28842,6 @@
             <a:br>
               <a:rPr lang="en-US" dirty="0"/>
             </a:br>
-            <a:r>
-              <a:rPr lang="en-US" dirty="0"/>
-              <a:t/>
-            </a:r>
             <a:br>
               <a:rPr lang="en-US" dirty="0"/>
             </a:br>
@@ -28531,10 +28884,6 @@
                 </a:solidFill>
               </a:rPr>
               <a:t>default value</a:t>
-            </a:r>
-            <a:r>
-              <a:rPr lang="en-US" dirty="0"/>
-              <a:t/>
             </a:r>
             <a:br>
               <a:rPr lang="en-US" dirty="0"/>
@@ -33728,7 +34077,7 @@
           <a:lstStyle/>
           <a:p>
             <a:r>
-              <a:rPr lang="en-US" smtClean="0"/>
+              <a:rPr lang="en-US"/>
               <a:t>Overview</a:t>
             </a:r>
             <a:endParaRPr lang="en-US" dirty="0"/>
@@ -33757,10 +34106,9 @@
           <a:lstStyle/>
           <a:p>
             <a:r>
-              <a:rPr lang="en-US" smtClean="0"/>
+              <a:rPr lang="en-US"/>
               <a:t>Functions in SQL Server</a:t>
             </a:r>
-            <a:endParaRPr lang="en-US"/>
           </a:p>
         </p:txBody>
       </p:sp>
@@ -35448,38 +35796,18 @@
             <a:br>
               <a:rPr lang="en-US" dirty="0"/>
             </a:br>
-            <a:r>
-              <a:rPr lang="en-US" dirty="0"/>
-              <a:t/>
-            </a:r>
             <a:br>
               <a:rPr lang="en-US" dirty="0"/>
             </a:br>
-            <a:r>
-              <a:rPr lang="en-US" dirty="0"/>
-              <a:t/>
-            </a:r>
             <a:br>
               <a:rPr lang="en-US" dirty="0"/>
             </a:br>
-            <a:r>
-              <a:rPr lang="en-US" dirty="0"/>
-              <a:t/>
-            </a:r>
             <a:br>
               <a:rPr lang="en-US" dirty="0"/>
             </a:br>
-            <a:r>
-              <a:rPr lang="en-US" dirty="0"/>
-              <a:t/>
-            </a:r>
             <a:br>
               <a:rPr lang="en-US" dirty="0"/>
             </a:br>
-            <a:r>
-              <a:rPr lang="en-US" dirty="0"/>
-              <a:t/>
-            </a:r>
             <a:br>
               <a:rPr lang="en-US" dirty="0"/>
             </a:br>
@@ -36036,17 +36364,9 @@
             <a:br>
               <a:rPr lang="en-US" dirty="0"/>
             </a:br>
-            <a:r>
-              <a:rPr lang="en-US" dirty="0"/>
-              <a:t/>
-            </a:r>
             <a:br>
               <a:rPr lang="en-US" dirty="0"/>
             </a:br>
-            <a:r>
-              <a:rPr lang="en-US" dirty="0"/>
-              <a:t/>
-            </a:r>
             <a:br>
               <a:rPr lang="en-US" dirty="0"/>
             </a:br>
